--- a/ppt 16-9/0382.你能体会.pptx
+++ b/ppt 16-9/0382.你能体会.pptx
@@ -5,7 +5,7 @@
     <p:sldMasterId id="2147483648" r:id="rId1"/>
   </p:sldMasterIdLst>
   <p:sldIdLst>
-    <p:sldId id="3302" r:id="rId2"/>
+    <p:sldId id="3303" r:id="rId2"/>
   </p:sldIdLst>
   <p:sldSz cx="12192000" cy="6858000"/>
   <p:notesSz cx="6858000" cy="9144000"/>
@@ -129,7 +129,7 @@
           <p:cNvPr id="2" name="标题 1">
             <a:extLst>
               <a:ext uri="{FF2B5EF4-FFF2-40B4-BE49-F238E27FC236}">
-                <a16:creationId xmlns:a16="http://schemas.microsoft.com/office/drawing/2014/main" id="{56FEDCAC-57B4-3BC8-DE0E-36F9BFE452F1}"/>
+                <a16:creationId xmlns:a16="http://schemas.microsoft.com/office/drawing/2014/main" id="{9FE82B90-5408-1F94-0224-57BA54DC88DC}"/>
               </a:ext>
             </a:extLst>
           </p:cNvPr>
@@ -166,7 +166,7 @@
           <p:cNvPr id="3" name="副标题 2">
             <a:extLst>
               <a:ext uri="{FF2B5EF4-FFF2-40B4-BE49-F238E27FC236}">
-                <a16:creationId xmlns:a16="http://schemas.microsoft.com/office/drawing/2014/main" id="{56782FE6-5739-115C-F065-031E7711521E}"/>
+                <a16:creationId xmlns:a16="http://schemas.microsoft.com/office/drawing/2014/main" id="{E1BD867A-ED5D-69C8-47A1-D5FB9E2277A1}"/>
               </a:ext>
             </a:extLst>
           </p:cNvPr>
@@ -236,7 +236,7 @@
           <p:cNvPr id="4" name="日期占位符 3">
             <a:extLst>
               <a:ext uri="{FF2B5EF4-FFF2-40B4-BE49-F238E27FC236}">
-                <a16:creationId xmlns:a16="http://schemas.microsoft.com/office/drawing/2014/main" id="{8FAA249C-C247-8E66-784F-B0E901189F31}"/>
+                <a16:creationId xmlns:a16="http://schemas.microsoft.com/office/drawing/2014/main" id="{D29264D5-CF55-3D5A-8C2F-39940694A80D}"/>
               </a:ext>
             </a:extLst>
           </p:cNvPr>
@@ -252,7 +252,7 @@
           <a:bodyPr/>
           <a:lstStyle/>
           <a:p>
-            <a:fld id="{262B240C-6CCD-4C45-B16D-A07BC6E104E7}" type="datetimeFigureOut">
+            <a:fld id="{7DCC9CD8-F009-4F01-B9A4-A146B10C14B5}" type="datetimeFigureOut">
               <a:rPr lang="zh-CN" altLang="en-US" smtClean="0"/>
               <a:t>2024/3/10</a:t>
             </a:fld>
@@ -265,7 +265,7 @@
           <p:cNvPr id="5" name="页脚占位符 4">
             <a:extLst>
               <a:ext uri="{FF2B5EF4-FFF2-40B4-BE49-F238E27FC236}">
-                <a16:creationId xmlns:a16="http://schemas.microsoft.com/office/drawing/2014/main" id="{F383AF27-8558-C75C-9881-6366610489EA}"/>
+                <a16:creationId xmlns:a16="http://schemas.microsoft.com/office/drawing/2014/main" id="{676BEF69-3499-374F-E2CE-62CE12A08F0A}"/>
               </a:ext>
             </a:extLst>
           </p:cNvPr>
@@ -290,7 +290,7 @@
           <p:cNvPr id="6" name="灯片编号占位符 5">
             <a:extLst>
               <a:ext uri="{FF2B5EF4-FFF2-40B4-BE49-F238E27FC236}">
-                <a16:creationId xmlns:a16="http://schemas.microsoft.com/office/drawing/2014/main" id="{955C4C4A-AF86-B0AF-D4C9-99E874E221F8}"/>
+                <a16:creationId xmlns:a16="http://schemas.microsoft.com/office/drawing/2014/main" id="{80AEA46C-9EA9-AB02-5284-F570059B1F62}"/>
               </a:ext>
             </a:extLst>
           </p:cNvPr>
@@ -306,7 +306,7 @@
           <a:bodyPr/>
           <a:lstStyle/>
           <a:p>
-            <a:fld id="{E342550B-F740-48D0-BF61-11E34C8B436B}" type="slidenum">
+            <a:fld id="{7B5E7CA7-0E38-4806-888C-FCAEB548EFFA}" type="slidenum">
               <a:rPr lang="zh-CN" altLang="en-US" smtClean="0"/>
               <a:t>‹#›</a:t>
             </a:fld>
@@ -317,7 +317,7 @@
     </p:spTree>
     <p:extLst>
       <p:ext uri="{BB962C8B-B14F-4D97-AF65-F5344CB8AC3E}">
-        <p14:creationId xmlns:p14="http://schemas.microsoft.com/office/powerpoint/2010/main" val="3613568548"/>
+        <p14:creationId xmlns:p14="http://schemas.microsoft.com/office/powerpoint/2010/main" val="3129259556"/>
       </p:ext>
     </p:extLst>
   </p:cSld>
@@ -349,7 +349,7 @@
           <p:cNvPr id="2" name="标题 1">
             <a:extLst>
               <a:ext uri="{FF2B5EF4-FFF2-40B4-BE49-F238E27FC236}">
-                <a16:creationId xmlns:a16="http://schemas.microsoft.com/office/drawing/2014/main" id="{70D66EAE-E86B-93D2-CFFA-090C024C1ED3}"/>
+                <a16:creationId xmlns:a16="http://schemas.microsoft.com/office/drawing/2014/main" id="{42620449-7749-B95D-2C1C-5AC431469CCE}"/>
               </a:ext>
             </a:extLst>
           </p:cNvPr>
@@ -377,7 +377,7 @@
           <p:cNvPr id="3" name="竖排文字占位符 2">
             <a:extLst>
               <a:ext uri="{FF2B5EF4-FFF2-40B4-BE49-F238E27FC236}">
-                <a16:creationId xmlns:a16="http://schemas.microsoft.com/office/drawing/2014/main" id="{B61CE9BF-EBD0-62BB-2E44-82C963DF863A}"/>
+                <a16:creationId xmlns:a16="http://schemas.microsoft.com/office/drawing/2014/main" id="{44207B1E-7A6E-AAEA-E098-212398A15718}"/>
               </a:ext>
             </a:extLst>
           </p:cNvPr>
@@ -434,7 +434,7 @@
           <p:cNvPr id="4" name="日期占位符 3">
             <a:extLst>
               <a:ext uri="{FF2B5EF4-FFF2-40B4-BE49-F238E27FC236}">
-                <a16:creationId xmlns:a16="http://schemas.microsoft.com/office/drawing/2014/main" id="{A910045F-720F-CF83-15DE-2083BC4F8777}"/>
+                <a16:creationId xmlns:a16="http://schemas.microsoft.com/office/drawing/2014/main" id="{89F12A18-B718-8179-CB41-193E7723AAF7}"/>
               </a:ext>
             </a:extLst>
           </p:cNvPr>
@@ -450,7 +450,7 @@
           <a:bodyPr/>
           <a:lstStyle/>
           <a:p>
-            <a:fld id="{262B240C-6CCD-4C45-B16D-A07BC6E104E7}" type="datetimeFigureOut">
+            <a:fld id="{7DCC9CD8-F009-4F01-B9A4-A146B10C14B5}" type="datetimeFigureOut">
               <a:rPr lang="zh-CN" altLang="en-US" smtClean="0"/>
               <a:t>2024/3/10</a:t>
             </a:fld>
@@ -463,7 +463,7 @@
           <p:cNvPr id="5" name="页脚占位符 4">
             <a:extLst>
               <a:ext uri="{FF2B5EF4-FFF2-40B4-BE49-F238E27FC236}">
-                <a16:creationId xmlns:a16="http://schemas.microsoft.com/office/drawing/2014/main" id="{F591DD09-CB34-0DA7-0345-A0C955F19457}"/>
+                <a16:creationId xmlns:a16="http://schemas.microsoft.com/office/drawing/2014/main" id="{E13E6A8E-B174-FEA9-1BC6-2530EB8C7DC9}"/>
               </a:ext>
             </a:extLst>
           </p:cNvPr>
@@ -488,7 +488,7 @@
           <p:cNvPr id="6" name="灯片编号占位符 5">
             <a:extLst>
               <a:ext uri="{FF2B5EF4-FFF2-40B4-BE49-F238E27FC236}">
-                <a16:creationId xmlns:a16="http://schemas.microsoft.com/office/drawing/2014/main" id="{BD7177F0-FD64-806D-2F50-21B719FB340E}"/>
+                <a16:creationId xmlns:a16="http://schemas.microsoft.com/office/drawing/2014/main" id="{1D23B903-0C8B-D562-4928-F3C470F7C784}"/>
               </a:ext>
             </a:extLst>
           </p:cNvPr>
@@ -504,7 +504,7 @@
           <a:bodyPr/>
           <a:lstStyle/>
           <a:p>
-            <a:fld id="{E342550B-F740-48D0-BF61-11E34C8B436B}" type="slidenum">
+            <a:fld id="{7B5E7CA7-0E38-4806-888C-FCAEB548EFFA}" type="slidenum">
               <a:rPr lang="zh-CN" altLang="en-US" smtClean="0"/>
               <a:t>‹#›</a:t>
             </a:fld>
@@ -515,7 +515,7 @@
     </p:spTree>
     <p:extLst>
       <p:ext uri="{BB962C8B-B14F-4D97-AF65-F5344CB8AC3E}">
-        <p14:creationId xmlns:p14="http://schemas.microsoft.com/office/powerpoint/2010/main" val="3538412123"/>
+        <p14:creationId xmlns:p14="http://schemas.microsoft.com/office/powerpoint/2010/main" val="3176557053"/>
       </p:ext>
     </p:extLst>
   </p:cSld>
@@ -547,7 +547,7 @@
           <p:cNvPr id="2" name="竖排标题 1">
             <a:extLst>
               <a:ext uri="{FF2B5EF4-FFF2-40B4-BE49-F238E27FC236}">
-                <a16:creationId xmlns:a16="http://schemas.microsoft.com/office/drawing/2014/main" id="{BA38F309-89BF-0F47-5699-8105162E5FD9}"/>
+                <a16:creationId xmlns:a16="http://schemas.microsoft.com/office/drawing/2014/main" id="{C4B2DDCB-025B-EEFD-361E-60A64FDAA16B}"/>
               </a:ext>
             </a:extLst>
           </p:cNvPr>
@@ -580,7 +580,7 @@
           <p:cNvPr id="3" name="竖排文字占位符 2">
             <a:extLst>
               <a:ext uri="{FF2B5EF4-FFF2-40B4-BE49-F238E27FC236}">
-                <a16:creationId xmlns:a16="http://schemas.microsoft.com/office/drawing/2014/main" id="{8C01FD08-7129-69D6-4F89-74DDA48FF7DF}"/>
+                <a16:creationId xmlns:a16="http://schemas.microsoft.com/office/drawing/2014/main" id="{94C5B46A-7CAA-275D-EAE2-A3FE1C6C3A63}"/>
               </a:ext>
             </a:extLst>
           </p:cNvPr>
@@ -642,7 +642,7 @@
           <p:cNvPr id="4" name="日期占位符 3">
             <a:extLst>
               <a:ext uri="{FF2B5EF4-FFF2-40B4-BE49-F238E27FC236}">
-                <a16:creationId xmlns:a16="http://schemas.microsoft.com/office/drawing/2014/main" id="{4A0A3CB8-EB87-2858-172E-5BA4487959C5}"/>
+                <a16:creationId xmlns:a16="http://schemas.microsoft.com/office/drawing/2014/main" id="{B33794AD-F89A-6FDB-B342-732C6EC54EDA}"/>
               </a:ext>
             </a:extLst>
           </p:cNvPr>
@@ -658,7 +658,7 @@
           <a:bodyPr/>
           <a:lstStyle/>
           <a:p>
-            <a:fld id="{262B240C-6CCD-4C45-B16D-A07BC6E104E7}" type="datetimeFigureOut">
+            <a:fld id="{7DCC9CD8-F009-4F01-B9A4-A146B10C14B5}" type="datetimeFigureOut">
               <a:rPr lang="zh-CN" altLang="en-US" smtClean="0"/>
               <a:t>2024/3/10</a:t>
             </a:fld>
@@ -671,7 +671,7 @@
           <p:cNvPr id="5" name="页脚占位符 4">
             <a:extLst>
               <a:ext uri="{FF2B5EF4-FFF2-40B4-BE49-F238E27FC236}">
-                <a16:creationId xmlns:a16="http://schemas.microsoft.com/office/drawing/2014/main" id="{35EAE6C5-1A79-B0F4-F0D8-A4DCB076ED7C}"/>
+                <a16:creationId xmlns:a16="http://schemas.microsoft.com/office/drawing/2014/main" id="{A41EE795-C6E2-A5A8-EBC4-EC4AD886CCC2}"/>
               </a:ext>
             </a:extLst>
           </p:cNvPr>
@@ -696,7 +696,7 @@
           <p:cNvPr id="6" name="灯片编号占位符 5">
             <a:extLst>
               <a:ext uri="{FF2B5EF4-FFF2-40B4-BE49-F238E27FC236}">
-                <a16:creationId xmlns:a16="http://schemas.microsoft.com/office/drawing/2014/main" id="{9F4D79CD-01BF-BAD5-780C-A693621A6ED0}"/>
+                <a16:creationId xmlns:a16="http://schemas.microsoft.com/office/drawing/2014/main" id="{74604D5D-4FB0-72A7-AB90-C3775FCED9A8}"/>
               </a:ext>
             </a:extLst>
           </p:cNvPr>
@@ -712,7 +712,7 @@
           <a:bodyPr/>
           <a:lstStyle/>
           <a:p>
-            <a:fld id="{E342550B-F740-48D0-BF61-11E34C8B436B}" type="slidenum">
+            <a:fld id="{7B5E7CA7-0E38-4806-888C-FCAEB548EFFA}" type="slidenum">
               <a:rPr lang="zh-CN" altLang="en-US" smtClean="0"/>
               <a:t>‹#›</a:t>
             </a:fld>
@@ -723,7 +723,7 @@
     </p:spTree>
     <p:extLst>
       <p:ext uri="{BB962C8B-B14F-4D97-AF65-F5344CB8AC3E}">
-        <p14:creationId xmlns:p14="http://schemas.microsoft.com/office/powerpoint/2010/main" val="1397796767"/>
+        <p14:creationId xmlns:p14="http://schemas.microsoft.com/office/powerpoint/2010/main" val="1371876042"/>
       </p:ext>
     </p:extLst>
   </p:cSld>
@@ -755,7 +755,7 @@
           <p:cNvPr id="2" name="标题 1">
             <a:extLst>
               <a:ext uri="{FF2B5EF4-FFF2-40B4-BE49-F238E27FC236}">
-                <a16:creationId xmlns:a16="http://schemas.microsoft.com/office/drawing/2014/main" id="{F89CF090-C403-6F66-BE9D-6538BC7B3617}"/>
+                <a16:creationId xmlns:a16="http://schemas.microsoft.com/office/drawing/2014/main" id="{935F7A5E-C742-65AC-DA42-2D59F9932169}"/>
               </a:ext>
             </a:extLst>
           </p:cNvPr>
@@ -783,7 +783,7 @@
           <p:cNvPr id="3" name="内容占位符 2">
             <a:extLst>
               <a:ext uri="{FF2B5EF4-FFF2-40B4-BE49-F238E27FC236}">
-                <a16:creationId xmlns:a16="http://schemas.microsoft.com/office/drawing/2014/main" id="{98FCC346-0F44-BAF3-6ABE-331B82298358}"/>
+                <a16:creationId xmlns:a16="http://schemas.microsoft.com/office/drawing/2014/main" id="{19020596-40B8-5D0A-0E74-F2817D9E9C1D}"/>
               </a:ext>
             </a:extLst>
           </p:cNvPr>
@@ -840,7 +840,7 @@
           <p:cNvPr id="4" name="日期占位符 3">
             <a:extLst>
               <a:ext uri="{FF2B5EF4-FFF2-40B4-BE49-F238E27FC236}">
-                <a16:creationId xmlns:a16="http://schemas.microsoft.com/office/drawing/2014/main" id="{A87EDEA3-7E05-4614-B8A8-FDF1CE0767E2}"/>
+                <a16:creationId xmlns:a16="http://schemas.microsoft.com/office/drawing/2014/main" id="{58B1176C-A9E4-2394-E9C6-D9AA4EAB751C}"/>
               </a:ext>
             </a:extLst>
           </p:cNvPr>
@@ -856,7 +856,7 @@
           <a:bodyPr/>
           <a:lstStyle/>
           <a:p>
-            <a:fld id="{262B240C-6CCD-4C45-B16D-A07BC6E104E7}" type="datetimeFigureOut">
+            <a:fld id="{7DCC9CD8-F009-4F01-B9A4-A146B10C14B5}" type="datetimeFigureOut">
               <a:rPr lang="zh-CN" altLang="en-US" smtClean="0"/>
               <a:t>2024/3/10</a:t>
             </a:fld>
@@ -869,7 +869,7 @@
           <p:cNvPr id="5" name="页脚占位符 4">
             <a:extLst>
               <a:ext uri="{FF2B5EF4-FFF2-40B4-BE49-F238E27FC236}">
-                <a16:creationId xmlns:a16="http://schemas.microsoft.com/office/drawing/2014/main" id="{ABD4E2F5-98C3-3B8A-3E9C-18A5364F022D}"/>
+                <a16:creationId xmlns:a16="http://schemas.microsoft.com/office/drawing/2014/main" id="{BE28FA5C-DC75-C369-5D00-1C7F47979958}"/>
               </a:ext>
             </a:extLst>
           </p:cNvPr>
@@ -894,7 +894,7 @@
           <p:cNvPr id="6" name="灯片编号占位符 5">
             <a:extLst>
               <a:ext uri="{FF2B5EF4-FFF2-40B4-BE49-F238E27FC236}">
-                <a16:creationId xmlns:a16="http://schemas.microsoft.com/office/drawing/2014/main" id="{B068C545-CD34-7401-2F2A-327CC2E01461}"/>
+                <a16:creationId xmlns:a16="http://schemas.microsoft.com/office/drawing/2014/main" id="{0CE5E373-59C6-AA65-DAE6-207F8CF14732}"/>
               </a:ext>
             </a:extLst>
           </p:cNvPr>
@@ -910,7 +910,7 @@
           <a:bodyPr/>
           <a:lstStyle/>
           <a:p>
-            <a:fld id="{E342550B-F740-48D0-BF61-11E34C8B436B}" type="slidenum">
+            <a:fld id="{7B5E7CA7-0E38-4806-888C-FCAEB548EFFA}" type="slidenum">
               <a:rPr lang="zh-CN" altLang="en-US" smtClean="0"/>
               <a:t>‹#›</a:t>
             </a:fld>
@@ -921,7 +921,7 @@
     </p:spTree>
     <p:extLst>
       <p:ext uri="{BB962C8B-B14F-4D97-AF65-F5344CB8AC3E}">
-        <p14:creationId xmlns:p14="http://schemas.microsoft.com/office/powerpoint/2010/main" val="2906466081"/>
+        <p14:creationId xmlns:p14="http://schemas.microsoft.com/office/powerpoint/2010/main" val="2049031819"/>
       </p:ext>
     </p:extLst>
   </p:cSld>
@@ -953,7 +953,7 @@
           <p:cNvPr id="2" name="标题 1">
             <a:extLst>
               <a:ext uri="{FF2B5EF4-FFF2-40B4-BE49-F238E27FC236}">
-                <a16:creationId xmlns:a16="http://schemas.microsoft.com/office/drawing/2014/main" id="{46D01DC6-6F8A-877E-A956-4D8ECD58891A}"/>
+                <a16:creationId xmlns:a16="http://schemas.microsoft.com/office/drawing/2014/main" id="{84F0C0EB-F2CF-B0BF-B2EE-82004FE3C502}"/>
               </a:ext>
             </a:extLst>
           </p:cNvPr>
@@ -990,7 +990,7 @@
           <p:cNvPr id="3" name="文本占位符 2">
             <a:extLst>
               <a:ext uri="{FF2B5EF4-FFF2-40B4-BE49-F238E27FC236}">
-                <a16:creationId xmlns:a16="http://schemas.microsoft.com/office/drawing/2014/main" id="{AF205260-AE3A-A837-5CFC-9FAA6CBE135E}"/>
+                <a16:creationId xmlns:a16="http://schemas.microsoft.com/office/drawing/2014/main" id="{73DBE950-7637-697C-3443-44554EE1D0C9}"/>
               </a:ext>
             </a:extLst>
           </p:cNvPr>
@@ -1115,7 +1115,7 @@
           <p:cNvPr id="4" name="日期占位符 3">
             <a:extLst>
               <a:ext uri="{FF2B5EF4-FFF2-40B4-BE49-F238E27FC236}">
-                <a16:creationId xmlns:a16="http://schemas.microsoft.com/office/drawing/2014/main" id="{354DBFAB-C843-D658-1805-E9EBD5DBFA59}"/>
+                <a16:creationId xmlns:a16="http://schemas.microsoft.com/office/drawing/2014/main" id="{70811607-1B74-85C3-EF3E-9AC7728A673B}"/>
               </a:ext>
             </a:extLst>
           </p:cNvPr>
@@ -1131,7 +1131,7 @@
           <a:bodyPr/>
           <a:lstStyle/>
           <a:p>
-            <a:fld id="{262B240C-6CCD-4C45-B16D-A07BC6E104E7}" type="datetimeFigureOut">
+            <a:fld id="{7DCC9CD8-F009-4F01-B9A4-A146B10C14B5}" type="datetimeFigureOut">
               <a:rPr lang="zh-CN" altLang="en-US" smtClean="0"/>
               <a:t>2024/3/10</a:t>
             </a:fld>
@@ -1144,7 +1144,7 @@
           <p:cNvPr id="5" name="页脚占位符 4">
             <a:extLst>
               <a:ext uri="{FF2B5EF4-FFF2-40B4-BE49-F238E27FC236}">
-                <a16:creationId xmlns:a16="http://schemas.microsoft.com/office/drawing/2014/main" id="{1902B9C1-0981-DE29-26E3-0373938A81CA}"/>
+                <a16:creationId xmlns:a16="http://schemas.microsoft.com/office/drawing/2014/main" id="{71A3B354-CCAF-39C8-FA11-933CDAE55245}"/>
               </a:ext>
             </a:extLst>
           </p:cNvPr>
@@ -1169,7 +1169,7 @@
           <p:cNvPr id="6" name="灯片编号占位符 5">
             <a:extLst>
               <a:ext uri="{FF2B5EF4-FFF2-40B4-BE49-F238E27FC236}">
-                <a16:creationId xmlns:a16="http://schemas.microsoft.com/office/drawing/2014/main" id="{48CE7669-1C28-78C4-4FA1-0C621DEEDF42}"/>
+                <a16:creationId xmlns:a16="http://schemas.microsoft.com/office/drawing/2014/main" id="{426F9267-78D8-9E94-41C3-19965580C202}"/>
               </a:ext>
             </a:extLst>
           </p:cNvPr>
@@ -1185,7 +1185,7 @@
           <a:bodyPr/>
           <a:lstStyle/>
           <a:p>
-            <a:fld id="{E342550B-F740-48D0-BF61-11E34C8B436B}" type="slidenum">
+            <a:fld id="{7B5E7CA7-0E38-4806-888C-FCAEB548EFFA}" type="slidenum">
               <a:rPr lang="zh-CN" altLang="en-US" smtClean="0"/>
               <a:t>‹#›</a:t>
             </a:fld>
@@ -1196,7 +1196,7 @@
     </p:spTree>
     <p:extLst>
       <p:ext uri="{BB962C8B-B14F-4D97-AF65-F5344CB8AC3E}">
-        <p14:creationId xmlns:p14="http://schemas.microsoft.com/office/powerpoint/2010/main" val="129216402"/>
+        <p14:creationId xmlns:p14="http://schemas.microsoft.com/office/powerpoint/2010/main" val="2964504662"/>
       </p:ext>
     </p:extLst>
   </p:cSld>
@@ -1228,7 +1228,7 @@
           <p:cNvPr id="2" name="标题 1">
             <a:extLst>
               <a:ext uri="{FF2B5EF4-FFF2-40B4-BE49-F238E27FC236}">
-                <a16:creationId xmlns:a16="http://schemas.microsoft.com/office/drawing/2014/main" id="{B19F3B3F-35ED-8AFF-D0BB-EB1B4D6F0542}"/>
+                <a16:creationId xmlns:a16="http://schemas.microsoft.com/office/drawing/2014/main" id="{47C8757D-E33D-4E80-52D0-FA81F8B46F8C}"/>
               </a:ext>
             </a:extLst>
           </p:cNvPr>
@@ -1256,7 +1256,7 @@
           <p:cNvPr id="3" name="内容占位符 2">
             <a:extLst>
               <a:ext uri="{FF2B5EF4-FFF2-40B4-BE49-F238E27FC236}">
-                <a16:creationId xmlns:a16="http://schemas.microsoft.com/office/drawing/2014/main" id="{2F330162-FA05-DCEF-A3B8-C246BB5A6346}"/>
+                <a16:creationId xmlns:a16="http://schemas.microsoft.com/office/drawing/2014/main" id="{1B199BE7-8BBE-E6DD-7A02-ADCC6EDFFF0A}"/>
               </a:ext>
             </a:extLst>
           </p:cNvPr>
@@ -1318,7 +1318,7 @@
           <p:cNvPr id="4" name="内容占位符 3">
             <a:extLst>
               <a:ext uri="{FF2B5EF4-FFF2-40B4-BE49-F238E27FC236}">
-                <a16:creationId xmlns:a16="http://schemas.microsoft.com/office/drawing/2014/main" id="{DF0ACF8F-F399-E5B1-68C0-40D53D4C46D8}"/>
+                <a16:creationId xmlns:a16="http://schemas.microsoft.com/office/drawing/2014/main" id="{78951C6E-C280-EA84-D36C-A9F57D1EB1A4}"/>
               </a:ext>
             </a:extLst>
           </p:cNvPr>
@@ -1380,7 +1380,7 @@
           <p:cNvPr id="5" name="日期占位符 4">
             <a:extLst>
               <a:ext uri="{FF2B5EF4-FFF2-40B4-BE49-F238E27FC236}">
-                <a16:creationId xmlns:a16="http://schemas.microsoft.com/office/drawing/2014/main" id="{E2C6E81B-95EC-D497-CBF4-056FD84BE786}"/>
+                <a16:creationId xmlns:a16="http://schemas.microsoft.com/office/drawing/2014/main" id="{EAE4749C-5A92-BDE2-38EE-A1BEE7487443}"/>
               </a:ext>
             </a:extLst>
           </p:cNvPr>
@@ -1396,7 +1396,7 @@
           <a:bodyPr/>
           <a:lstStyle/>
           <a:p>
-            <a:fld id="{262B240C-6CCD-4C45-B16D-A07BC6E104E7}" type="datetimeFigureOut">
+            <a:fld id="{7DCC9CD8-F009-4F01-B9A4-A146B10C14B5}" type="datetimeFigureOut">
               <a:rPr lang="zh-CN" altLang="en-US" smtClean="0"/>
               <a:t>2024/3/10</a:t>
             </a:fld>
@@ -1409,7 +1409,7 @@
           <p:cNvPr id="6" name="页脚占位符 5">
             <a:extLst>
               <a:ext uri="{FF2B5EF4-FFF2-40B4-BE49-F238E27FC236}">
-                <a16:creationId xmlns:a16="http://schemas.microsoft.com/office/drawing/2014/main" id="{4087D869-6C83-A0BC-C47B-A339ADA03C64}"/>
+                <a16:creationId xmlns:a16="http://schemas.microsoft.com/office/drawing/2014/main" id="{4EC70AC7-F69F-6687-2415-4BAEF3D6C0D7}"/>
               </a:ext>
             </a:extLst>
           </p:cNvPr>
@@ -1434,7 +1434,7 @@
           <p:cNvPr id="7" name="灯片编号占位符 6">
             <a:extLst>
               <a:ext uri="{FF2B5EF4-FFF2-40B4-BE49-F238E27FC236}">
-                <a16:creationId xmlns:a16="http://schemas.microsoft.com/office/drawing/2014/main" id="{BAC8C2EF-F9A2-14DE-4A55-5AC5ECBF80BA}"/>
+                <a16:creationId xmlns:a16="http://schemas.microsoft.com/office/drawing/2014/main" id="{2AE9CA73-081C-D6EA-2830-581FFC0ECB41}"/>
               </a:ext>
             </a:extLst>
           </p:cNvPr>
@@ -1450,7 +1450,7 @@
           <a:bodyPr/>
           <a:lstStyle/>
           <a:p>
-            <a:fld id="{E342550B-F740-48D0-BF61-11E34C8B436B}" type="slidenum">
+            <a:fld id="{7B5E7CA7-0E38-4806-888C-FCAEB548EFFA}" type="slidenum">
               <a:rPr lang="zh-CN" altLang="en-US" smtClean="0"/>
               <a:t>‹#›</a:t>
             </a:fld>
@@ -1461,7 +1461,7 @@
     </p:spTree>
     <p:extLst>
       <p:ext uri="{BB962C8B-B14F-4D97-AF65-F5344CB8AC3E}">
-        <p14:creationId xmlns:p14="http://schemas.microsoft.com/office/powerpoint/2010/main" val="3079173473"/>
+        <p14:creationId xmlns:p14="http://schemas.microsoft.com/office/powerpoint/2010/main" val="1012027872"/>
       </p:ext>
     </p:extLst>
   </p:cSld>
@@ -1493,7 +1493,7 @@
           <p:cNvPr id="2" name="标题 1">
             <a:extLst>
               <a:ext uri="{FF2B5EF4-FFF2-40B4-BE49-F238E27FC236}">
-                <a16:creationId xmlns:a16="http://schemas.microsoft.com/office/drawing/2014/main" id="{D98E123A-8851-1474-A27F-D8D524021B36}"/>
+                <a16:creationId xmlns:a16="http://schemas.microsoft.com/office/drawing/2014/main" id="{15F15B58-EB50-8E16-DE14-3CACAEB6BE8B}"/>
               </a:ext>
             </a:extLst>
           </p:cNvPr>
@@ -1526,7 +1526,7 @@
           <p:cNvPr id="3" name="文本占位符 2">
             <a:extLst>
               <a:ext uri="{FF2B5EF4-FFF2-40B4-BE49-F238E27FC236}">
-                <a16:creationId xmlns:a16="http://schemas.microsoft.com/office/drawing/2014/main" id="{825CECD6-348A-8F70-1CB0-A4B8C7728E42}"/>
+                <a16:creationId xmlns:a16="http://schemas.microsoft.com/office/drawing/2014/main" id="{98FB031E-D393-A3F7-0587-9924AC85300C}"/>
               </a:ext>
             </a:extLst>
           </p:cNvPr>
@@ -1597,7 +1597,7 @@
           <p:cNvPr id="4" name="内容占位符 3">
             <a:extLst>
               <a:ext uri="{FF2B5EF4-FFF2-40B4-BE49-F238E27FC236}">
-                <a16:creationId xmlns:a16="http://schemas.microsoft.com/office/drawing/2014/main" id="{40867BB5-B993-90E9-94A3-C36605D5C76D}"/>
+                <a16:creationId xmlns:a16="http://schemas.microsoft.com/office/drawing/2014/main" id="{6AE1A2C0-4580-9587-F9E1-522B5563AFB2}"/>
               </a:ext>
             </a:extLst>
           </p:cNvPr>
@@ -1659,7 +1659,7 @@
           <p:cNvPr id="5" name="文本占位符 4">
             <a:extLst>
               <a:ext uri="{FF2B5EF4-FFF2-40B4-BE49-F238E27FC236}">
-                <a16:creationId xmlns:a16="http://schemas.microsoft.com/office/drawing/2014/main" id="{B1422FF0-24C2-379A-3D8E-4967F35587A9}"/>
+                <a16:creationId xmlns:a16="http://schemas.microsoft.com/office/drawing/2014/main" id="{7BA97095-98B5-471D-E9C4-B39D64C2F7EC}"/>
               </a:ext>
             </a:extLst>
           </p:cNvPr>
@@ -1730,7 +1730,7 @@
           <p:cNvPr id="6" name="内容占位符 5">
             <a:extLst>
               <a:ext uri="{FF2B5EF4-FFF2-40B4-BE49-F238E27FC236}">
-                <a16:creationId xmlns:a16="http://schemas.microsoft.com/office/drawing/2014/main" id="{60C354A3-7035-A871-7264-A8AE09776A06}"/>
+                <a16:creationId xmlns:a16="http://schemas.microsoft.com/office/drawing/2014/main" id="{4DF42B7B-8874-FDCA-6FCA-78ED1E7FAB85}"/>
               </a:ext>
             </a:extLst>
           </p:cNvPr>
@@ -1792,7 +1792,7 @@
           <p:cNvPr id="7" name="日期占位符 6">
             <a:extLst>
               <a:ext uri="{FF2B5EF4-FFF2-40B4-BE49-F238E27FC236}">
-                <a16:creationId xmlns:a16="http://schemas.microsoft.com/office/drawing/2014/main" id="{6E974CDB-F249-7DCC-929C-5A802DBFF947}"/>
+                <a16:creationId xmlns:a16="http://schemas.microsoft.com/office/drawing/2014/main" id="{26A0ABBD-0A35-02ED-4B55-8D2BEFF6F2BF}"/>
               </a:ext>
             </a:extLst>
           </p:cNvPr>
@@ -1808,7 +1808,7 @@
           <a:bodyPr/>
           <a:lstStyle/>
           <a:p>
-            <a:fld id="{262B240C-6CCD-4C45-B16D-A07BC6E104E7}" type="datetimeFigureOut">
+            <a:fld id="{7DCC9CD8-F009-4F01-B9A4-A146B10C14B5}" type="datetimeFigureOut">
               <a:rPr lang="zh-CN" altLang="en-US" smtClean="0"/>
               <a:t>2024/3/10</a:t>
             </a:fld>
@@ -1821,7 +1821,7 @@
           <p:cNvPr id="8" name="页脚占位符 7">
             <a:extLst>
               <a:ext uri="{FF2B5EF4-FFF2-40B4-BE49-F238E27FC236}">
-                <a16:creationId xmlns:a16="http://schemas.microsoft.com/office/drawing/2014/main" id="{EEEFCA6E-0831-6C27-9C31-43D3B73732D4}"/>
+                <a16:creationId xmlns:a16="http://schemas.microsoft.com/office/drawing/2014/main" id="{40BC0606-9395-3B5D-B86E-1821CC127AF0}"/>
               </a:ext>
             </a:extLst>
           </p:cNvPr>
@@ -1846,7 +1846,7 @@
           <p:cNvPr id="9" name="灯片编号占位符 8">
             <a:extLst>
               <a:ext uri="{FF2B5EF4-FFF2-40B4-BE49-F238E27FC236}">
-                <a16:creationId xmlns:a16="http://schemas.microsoft.com/office/drawing/2014/main" id="{D61A2430-7CB6-6A9A-6BD3-4A6F17694C6A}"/>
+                <a16:creationId xmlns:a16="http://schemas.microsoft.com/office/drawing/2014/main" id="{D89A7734-EE94-376B-1D92-4FC78547CE32}"/>
               </a:ext>
             </a:extLst>
           </p:cNvPr>
@@ -1862,7 +1862,7 @@
           <a:bodyPr/>
           <a:lstStyle/>
           <a:p>
-            <a:fld id="{E342550B-F740-48D0-BF61-11E34C8B436B}" type="slidenum">
+            <a:fld id="{7B5E7CA7-0E38-4806-888C-FCAEB548EFFA}" type="slidenum">
               <a:rPr lang="zh-CN" altLang="en-US" smtClean="0"/>
               <a:t>‹#›</a:t>
             </a:fld>
@@ -1873,7 +1873,7 @@
     </p:spTree>
     <p:extLst>
       <p:ext uri="{BB962C8B-B14F-4D97-AF65-F5344CB8AC3E}">
-        <p14:creationId xmlns:p14="http://schemas.microsoft.com/office/powerpoint/2010/main" val="2705007189"/>
+        <p14:creationId xmlns:p14="http://schemas.microsoft.com/office/powerpoint/2010/main" val="2772045079"/>
       </p:ext>
     </p:extLst>
   </p:cSld>
@@ -1905,7 +1905,7 @@
           <p:cNvPr id="2" name="标题 1">
             <a:extLst>
               <a:ext uri="{FF2B5EF4-FFF2-40B4-BE49-F238E27FC236}">
-                <a16:creationId xmlns:a16="http://schemas.microsoft.com/office/drawing/2014/main" id="{D7661920-F317-4A50-B5F0-CFBF077272F0}"/>
+                <a16:creationId xmlns:a16="http://schemas.microsoft.com/office/drawing/2014/main" id="{EC6C6D3A-BA8D-B6E9-A9CB-ED2DD69C835D}"/>
               </a:ext>
             </a:extLst>
           </p:cNvPr>
@@ -1933,7 +1933,7 @@
           <p:cNvPr id="3" name="日期占位符 2">
             <a:extLst>
               <a:ext uri="{FF2B5EF4-FFF2-40B4-BE49-F238E27FC236}">
-                <a16:creationId xmlns:a16="http://schemas.microsoft.com/office/drawing/2014/main" id="{55E0997E-10B8-2815-92F4-5AAC17CFC67B}"/>
+                <a16:creationId xmlns:a16="http://schemas.microsoft.com/office/drawing/2014/main" id="{A7DF7FC2-BF67-20E5-341F-AA5848632A3B}"/>
               </a:ext>
             </a:extLst>
           </p:cNvPr>
@@ -1949,7 +1949,7 @@
           <a:bodyPr/>
           <a:lstStyle/>
           <a:p>
-            <a:fld id="{262B240C-6CCD-4C45-B16D-A07BC6E104E7}" type="datetimeFigureOut">
+            <a:fld id="{7DCC9CD8-F009-4F01-B9A4-A146B10C14B5}" type="datetimeFigureOut">
               <a:rPr lang="zh-CN" altLang="en-US" smtClean="0"/>
               <a:t>2024/3/10</a:t>
             </a:fld>
@@ -1962,7 +1962,7 @@
           <p:cNvPr id="4" name="页脚占位符 3">
             <a:extLst>
               <a:ext uri="{FF2B5EF4-FFF2-40B4-BE49-F238E27FC236}">
-                <a16:creationId xmlns:a16="http://schemas.microsoft.com/office/drawing/2014/main" id="{182D19C2-A320-CD92-6CBD-0AFE7E6089EC}"/>
+                <a16:creationId xmlns:a16="http://schemas.microsoft.com/office/drawing/2014/main" id="{B7336F25-A43A-A9ED-A9F8-C0E06E046641}"/>
               </a:ext>
             </a:extLst>
           </p:cNvPr>
@@ -1987,7 +1987,7 @@
           <p:cNvPr id="5" name="灯片编号占位符 4">
             <a:extLst>
               <a:ext uri="{FF2B5EF4-FFF2-40B4-BE49-F238E27FC236}">
-                <a16:creationId xmlns:a16="http://schemas.microsoft.com/office/drawing/2014/main" id="{37ED10AC-8665-C57D-765E-969E4F6B74DA}"/>
+                <a16:creationId xmlns:a16="http://schemas.microsoft.com/office/drawing/2014/main" id="{77535AD7-36EF-6964-D7B6-2128F73A4EAB}"/>
               </a:ext>
             </a:extLst>
           </p:cNvPr>
@@ -2003,7 +2003,7 @@
           <a:bodyPr/>
           <a:lstStyle/>
           <a:p>
-            <a:fld id="{E342550B-F740-48D0-BF61-11E34C8B436B}" type="slidenum">
+            <a:fld id="{7B5E7CA7-0E38-4806-888C-FCAEB548EFFA}" type="slidenum">
               <a:rPr lang="zh-CN" altLang="en-US" smtClean="0"/>
               <a:t>‹#›</a:t>
             </a:fld>
@@ -2014,7 +2014,7 @@
     </p:spTree>
     <p:extLst>
       <p:ext uri="{BB962C8B-B14F-4D97-AF65-F5344CB8AC3E}">
-        <p14:creationId xmlns:p14="http://schemas.microsoft.com/office/powerpoint/2010/main" val="3187095881"/>
+        <p14:creationId xmlns:p14="http://schemas.microsoft.com/office/powerpoint/2010/main" val="2882251517"/>
       </p:ext>
     </p:extLst>
   </p:cSld>
@@ -2046,7 +2046,7 @@
           <p:cNvPr id="2" name="日期占位符 1">
             <a:extLst>
               <a:ext uri="{FF2B5EF4-FFF2-40B4-BE49-F238E27FC236}">
-                <a16:creationId xmlns:a16="http://schemas.microsoft.com/office/drawing/2014/main" id="{3764749F-BA92-2BE1-57F6-AEE7F2D61059}"/>
+                <a16:creationId xmlns:a16="http://schemas.microsoft.com/office/drawing/2014/main" id="{27EA71A3-87EF-E296-C1FA-39C5E9F188DF}"/>
               </a:ext>
             </a:extLst>
           </p:cNvPr>
@@ -2062,7 +2062,7 @@
           <a:bodyPr/>
           <a:lstStyle/>
           <a:p>
-            <a:fld id="{262B240C-6CCD-4C45-B16D-A07BC6E104E7}" type="datetimeFigureOut">
+            <a:fld id="{7DCC9CD8-F009-4F01-B9A4-A146B10C14B5}" type="datetimeFigureOut">
               <a:rPr lang="zh-CN" altLang="en-US" smtClean="0"/>
               <a:t>2024/3/10</a:t>
             </a:fld>
@@ -2075,7 +2075,7 @@
           <p:cNvPr id="3" name="页脚占位符 2">
             <a:extLst>
               <a:ext uri="{FF2B5EF4-FFF2-40B4-BE49-F238E27FC236}">
-                <a16:creationId xmlns:a16="http://schemas.microsoft.com/office/drawing/2014/main" id="{D2CAA9B5-5058-9601-0268-04354CFCE1B2}"/>
+                <a16:creationId xmlns:a16="http://schemas.microsoft.com/office/drawing/2014/main" id="{BC5646DC-6ABA-9AEC-77C8-E2B854203EE2}"/>
               </a:ext>
             </a:extLst>
           </p:cNvPr>
@@ -2100,7 +2100,7 @@
           <p:cNvPr id="4" name="灯片编号占位符 3">
             <a:extLst>
               <a:ext uri="{FF2B5EF4-FFF2-40B4-BE49-F238E27FC236}">
-                <a16:creationId xmlns:a16="http://schemas.microsoft.com/office/drawing/2014/main" id="{A88690C6-3204-C768-B205-F55EBBE315F4}"/>
+                <a16:creationId xmlns:a16="http://schemas.microsoft.com/office/drawing/2014/main" id="{72120D20-8469-7796-5C64-C6C4F22461BB}"/>
               </a:ext>
             </a:extLst>
           </p:cNvPr>
@@ -2116,7 +2116,7 @@
           <a:bodyPr/>
           <a:lstStyle/>
           <a:p>
-            <a:fld id="{E342550B-F740-48D0-BF61-11E34C8B436B}" type="slidenum">
+            <a:fld id="{7B5E7CA7-0E38-4806-888C-FCAEB548EFFA}" type="slidenum">
               <a:rPr lang="zh-CN" altLang="en-US" smtClean="0"/>
               <a:t>‹#›</a:t>
             </a:fld>
@@ -2127,7 +2127,7 @@
     </p:spTree>
     <p:extLst>
       <p:ext uri="{BB962C8B-B14F-4D97-AF65-F5344CB8AC3E}">
-        <p14:creationId xmlns:p14="http://schemas.microsoft.com/office/powerpoint/2010/main" val="1536150505"/>
+        <p14:creationId xmlns:p14="http://schemas.microsoft.com/office/powerpoint/2010/main" val="435168364"/>
       </p:ext>
     </p:extLst>
   </p:cSld>
@@ -2159,7 +2159,7 @@
           <p:cNvPr id="2" name="标题 1">
             <a:extLst>
               <a:ext uri="{FF2B5EF4-FFF2-40B4-BE49-F238E27FC236}">
-                <a16:creationId xmlns:a16="http://schemas.microsoft.com/office/drawing/2014/main" id="{C2739E9C-F401-3BDA-3A96-59DD79533424}"/>
+                <a16:creationId xmlns:a16="http://schemas.microsoft.com/office/drawing/2014/main" id="{259ADA32-7865-5DF3-395A-1BD0456A4AC6}"/>
               </a:ext>
             </a:extLst>
           </p:cNvPr>
@@ -2196,7 +2196,7 @@
           <p:cNvPr id="3" name="内容占位符 2">
             <a:extLst>
               <a:ext uri="{FF2B5EF4-FFF2-40B4-BE49-F238E27FC236}">
-                <a16:creationId xmlns:a16="http://schemas.microsoft.com/office/drawing/2014/main" id="{B530BCFF-A45F-CE04-5704-C60DADEEE81D}"/>
+                <a16:creationId xmlns:a16="http://schemas.microsoft.com/office/drawing/2014/main" id="{3318389B-EB85-D059-854E-3D89789C0D16}"/>
               </a:ext>
             </a:extLst>
           </p:cNvPr>
@@ -2286,7 +2286,7 @@
           <p:cNvPr id="4" name="文本占位符 3">
             <a:extLst>
               <a:ext uri="{FF2B5EF4-FFF2-40B4-BE49-F238E27FC236}">
-                <a16:creationId xmlns:a16="http://schemas.microsoft.com/office/drawing/2014/main" id="{4AEA9785-2C68-DEF6-85E3-D833C89B2F1D}"/>
+                <a16:creationId xmlns:a16="http://schemas.microsoft.com/office/drawing/2014/main" id="{081935E7-4279-60D0-1938-3FD0FC0FE63A}"/>
               </a:ext>
             </a:extLst>
           </p:cNvPr>
@@ -2357,7 +2357,7 @@
           <p:cNvPr id="5" name="日期占位符 4">
             <a:extLst>
               <a:ext uri="{FF2B5EF4-FFF2-40B4-BE49-F238E27FC236}">
-                <a16:creationId xmlns:a16="http://schemas.microsoft.com/office/drawing/2014/main" id="{AEA95F2E-558F-6289-2515-040CBDCE1813}"/>
+                <a16:creationId xmlns:a16="http://schemas.microsoft.com/office/drawing/2014/main" id="{BD1EDACC-32B7-5420-F555-AAF568DE9986}"/>
               </a:ext>
             </a:extLst>
           </p:cNvPr>
@@ -2373,7 +2373,7 @@
           <a:bodyPr/>
           <a:lstStyle/>
           <a:p>
-            <a:fld id="{262B240C-6CCD-4C45-B16D-A07BC6E104E7}" type="datetimeFigureOut">
+            <a:fld id="{7DCC9CD8-F009-4F01-B9A4-A146B10C14B5}" type="datetimeFigureOut">
               <a:rPr lang="zh-CN" altLang="en-US" smtClean="0"/>
               <a:t>2024/3/10</a:t>
             </a:fld>
@@ -2386,7 +2386,7 @@
           <p:cNvPr id="6" name="页脚占位符 5">
             <a:extLst>
               <a:ext uri="{FF2B5EF4-FFF2-40B4-BE49-F238E27FC236}">
-                <a16:creationId xmlns:a16="http://schemas.microsoft.com/office/drawing/2014/main" id="{FCD1C474-F603-3381-FBCA-B3CE77E0B788}"/>
+                <a16:creationId xmlns:a16="http://schemas.microsoft.com/office/drawing/2014/main" id="{AB544EAE-2C24-477B-63B6-1D3E107695D0}"/>
               </a:ext>
             </a:extLst>
           </p:cNvPr>
@@ -2411,7 +2411,7 @@
           <p:cNvPr id="7" name="灯片编号占位符 6">
             <a:extLst>
               <a:ext uri="{FF2B5EF4-FFF2-40B4-BE49-F238E27FC236}">
-                <a16:creationId xmlns:a16="http://schemas.microsoft.com/office/drawing/2014/main" id="{C609E48B-3397-2DB4-71EE-C3302BDE6D51}"/>
+                <a16:creationId xmlns:a16="http://schemas.microsoft.com/office/drawing/2014/main" id="{0671B8D7-F5A1-9AF1-C877-F6D1A4339B42}"/>
               </a:ext>
             </a:extLst>
           </p:cNvPr>
@@ -2427,7 +2427,7 @@
           <a:bodyPr/>
           <a:lstStyle/>
           <a:p>
-            <a:fld id="{E342550B-F740-48D0-BF61-11E34C8B436B}" type="slidenum">
+            <a:fld id="{7B5E7CA7-0E38-4806-888C-FCAEB548EFFA}" type="slidenum">
               <a:rPr lang="zh-CN" altLang="en-US" smtClean="0"/>
               <a:t>‹#›</a:t>
             </a:fld>
@@ -2438,7 +2438,7 @@
     </p:spTree>
     <p:extLst>
       <p:ext uri="{BB962C8B-B14F-4D97-AF65-F5344CB8AC3E}">
-        <p14:creationId xmlns:p14="http://schemas.microsoft.com/office/powerpoint/2010/main" val="2724265983"/>
+        <p14:creationId xmlns:p14="http://schemas.microsoft.com/office/powerpoint/2010/main" val="1865225894"/>
       </p:ext>
     </p:extLst>
   </p:cSld>
@@ -2470,7 +2470,7 @@
           <p:cNvPr id="2" name="标题 1">
             <a:extLst>
               <a:ext uri="{FF2B5EF4-FFF2-40B4-BE49-F238E27FC236}">
-                <a16:creationId xmlns:a16="http://schemas.microsoft.com/office/drawing/2014/main" id="{6A5507C5-2BF1-0BC4-12C3-E9DF1766EFF9}"/>
+                <a16:creationId xmlns:a16="http://schemas.microsoft.com/office/drawing/2014/main" id="{76C3103F-4D06-D049-AA58-7A3B79E081A0}"/>
               </a:ext>
             </a:extLst>
           </p:cNvPr>
@@ -2507,7 +2507,7 @@
           <p:cNvPr id="3" name="图片占位符 2">
             <a:extLst>
               <a:ext uri="{FF2B5EF4-FFF2-40B4-BE49-F238E27FC236}">
-                <a16:creationId xmlns:a16="http://schemas.microsoft.com/office/drawing/2014/main" id="{64CEAEC3-C8F6-FD00-A6E2-DC2B52ABA611}"/>
+                <a16:creationId xmlns:a16="http://schemas.microsoft.com/office/drawing/2014/main" id="{45CDAB62-EDC7-F608-FCAA-382489D12104}"/>
               </a:ext>
             </a:extLst>
           </p:cNvPr>
@@ -2574,7 +2574,7 @@
           <p:cNvPr id="4" name="文本占位符 3">
             <a:extLst>
               <a:ext uri="{FF2B5EF4-FFF2-40B4-BE49-F238E27FC236}">
-                <a16:creationId xmlns:a16="http://schemas.microsoft.com/office/drawing/2014/main" id="{844521BE-7560-17EF-810B-ADC4BB4FBB53}"/>
+                <a16:creationId xmlns:a16="http://schemas.microsoft.com/office/drawing/2014/main" id="{FC2172E5-2DA8-BEC9-C578-67A1077C8209}"/>
               </a:ext>
             </a:extLst>
           </p:cNvPr>
@@ -2645,7 +2645,7 @@
           <p:cNvPr id="5" name="日期占位符 4">
             <a:extLst>
               <a:ext uri="{FF2B5EF4-FFF2-40B4-BE49-F238E27FC236}">
-                <a16:creationId xmlns:a16="http://schemas.microsoft.com/office/drawing/2014/main" id="{B1E637D8-FF75-E5F9-77CC-D3F1B10CECA5}"/>
+                <a16:creationId xmlns:a16="http://schemas.microsoft.com/office/drawing/2014/main" id="{4B9A46DF-1AFC-D1C7-5089-EDF13566ADBF}"/>
               </a:ext>
             </a:extLst>
           </p:cNvPr>
@@ -2661,7 +2661,7 @@
           <a:bodyPr/>
           <a:lstStyle/>
           <a:p>
-            <a:fld id="{262B240C-6CCD-4C45-B16D-A07BC6E104E7}" type="datetimeFigureOut">
+            <a:fld id="{7DCC9CD8-F009-4F01-B9A4-A146B10C14B5}" type="datetimeFigureOut">
               <a:rPr lang="zh-CN" altLang="en-US" smtClean="0"/>
               <a:t>2024/3/10</a:t>
             </a:fld>
@@ -2674,7 +2674,7 @@
           <p:cNvPr id="6" name="页脚占位符 5">
             <a:extLst>
               <a:ext uri="{FF2B5EF4-FFF2-40B4-BE49-F238E27FC236}">
-                <a16:creationId xmlns:a16="http://schemas.microsoft.com/office/drawing/2014/main" id="{2A4AA951-C876-DF65-9BA5-54B81BAE56EB}"/>
+                <a16:creationId xmlns:a16="http://schemas.microsoft.com/office/drawing/2014/main" id="{09D45DDD-D6ED-2816-699D-768EA108608C}"/>
               </a:ext>
             </a:extLst>
           </p:cNvPr>
@@ -2699,7 +2699,7 @@
           <p:cNvPr id="7" name="灯片编号占位符 6">
             <a:extLst>
               <a:ext uri="{FF2B5EF4-FFF2-40B4-BE49-F238E27FC236}">
-                <a16:creationId xmlns:a16="http://schemas.microsoft.com/office/drawing/2014/main" id="{D6AF599D-47CD-D930-6577-369976559CED}"/>
+                <a16:creationId xmlns:a16="http://schemas.microsoft.com/office/drawing/2014/main" id="{89DC7B99-D686-F9DC-88DD-BD5480D951F5}"/>
               </a:ext>
             </a:extLst>
           </p:cNvPr>
@@ -2715,7 +2715,7 @@
           <a:bodyPr/>
           <a:lstStyle/>
           <a:p>
-            <a:fld id="{E342550B-F740-48D0-BF61-11E34C8B436B}" type="slidenum">
+            <a:fld id="{7B5E7CA7-0E38-4806-888C-FCAEB548EFFA}" type="slidenum">
               <a:rPr lang="zh-CN" altLang="en-US" smtClean="0"/>
               <a:t>‹#›</a:t>
             </a:fld>
@@ -2726,7 +2726,7 @@
     </p:spTree>
     <p:extLst>
       <p:ext uri="{BB962C8B-B14F-4D97-AF65-F5344CB8AC3E}">
-        <p14:creationId xmlns:p14="http://schemas.microsoft.com/office/powerpoint/2010/main" val="2142250192"/>
+        <p14:creationId xmlns:p14="http://schemas.microsoft.com/office/powerpoint/2010/main" val="1518546912"/>
       </p:ext>
     </p:extLst>
   </p:cSld>
@@ -2763,7 +2763,7 @@
           <p:cNvPr id="2" name="标题占位符 1">
             <a:extLst>
               <a:ext uri="{FF2B5EF4-FFF2-40B4-BE49-F238E27FC236}">
-                <a16:creationId xmlns:a16="http://schemas.microsoft.com/office/drawing/2014/main" id="{53219BBE-DD2A-F2B2-C3FB-2FB07E478C34}"/>
+                <a16:creationId xmlns:a16="http://schemas.microsoft.com/office/drawing/2014/main" id="{1F7CCEBC-05B1-FF0B-3662-C9BB03E3FF2E}"/>
               </a:ext>
             </a:extLst>
           </p:cNvPr>
@@ -2801,7 +2801,7 @@
           <p:cNvPr id="3" name="文本占位符 2">
             <a:extLst>
               <a:ext uri="{FF2B5EF4-FFF2-40B4-BE49-F238E27FC236}">
-                <a16:creationId xmlns:a16="http://schemas.microsoft.com/office/drawing/2014/main" id="{C8F4BBDD-EBE8-871E-F3A4-03346DD27CF4}"/>
+                <a16:creationId xmlns:a16="http://schemas.microsoft.com/office/drawing/2014/main" id="{32FA30F3-1CEE-83CE-4D8F-018B973C929F}"/>
               </a:ext>
             </a:extLst>
           </p:cNvPr>
@@ -2868,7 +2868,7 @@
           <p:cNvPr id="4" name="日期占位符 3">
             <a:extLst>
               <a:ext uri="{FF2B5EF4-FFF2-40B4-BE49-F238E27FC236}">
-                <a16:creationId xmlns:a16="http://schemas.microsoft.com/office/drawing/2014/main" id="{0F3FC908-7F09-FBE9-438A-3EDB8A16D454}"/>
+                <a16:creationId xmlns:a16="http://schemas.microsoft.com/office/drawing/2014/main" id="{158DCD34-E8EB-40EE-24CD-2E24A1EBF66B}"/>
               </a:ext>
             </a:extLst>
           </p:cNvPr>
@@ -2902,7 +2902,7 @@
             </a:lvl1pPr>
           </a:lstStyle>
           <a:p>
-            <a:fld id="{262B240C-6CCD-4C45-B16D-A07BC6E104E7}" type="datetimeFigureOut">
+            <a:fld id="{7DCC9CD8-F009-4F01-B9A4-A146B10C14B5}" type="datetimeFigureOut">
               <a:rPr lang="zh-CN" altLang="en-US" smtClean="0"/>
               <a:t>2024/3/10</a:t>
             </a:fld>
@@ -2915,7 +2915,7 @@
           <p:cNvPr id="5" name="页脚占位符 4">
             <a:extLst>
               <a:ext uri="{FF2B5EF4-FFF2-40B4-BE49-F238E27FC236}">
-                <a16:creationId xmlns:a16="http://schemas.microsoft.com/office/drawing/2014/main" id="{80BECA2C-E9A5-18C1-98EA-FFBD3B0FC14E}"/>
+                <a16:creationId xmlns:a16="http://schemas.microsoft.com/office/drawing/2014/main" id="{AE0EB87E-EBFC-B498-AFCC-A6EFA1C41C40}"/>
               </a:ext>
             </a:extLst>
           </p:cNvPr>
@@ -2958,7 +2958,7 @@
           <p:cNvPr id="6" name="灯片编号占位符 5">
             <a:extLst>
               <a:ext uri="{FF2B5EF4-FFF2-40B4-BE49-F238E27FC236}">
-                <a16:creationId xmlns:a16="http://schemas.microsoft.com/office/drawing/2014/main" id="{E4E096B9-5871-5E9F-D783-F78D0D58410A}"/>
+                <a16:creationId xmlns:a16="http://schemas.microsoft.com/office/drawing/2014/main" id="{254CDADA-C294-D59E-3982-7A0F861F374F}"/>
               </a:ext>
             </a:extLst>
           </p:cNvPr>
@@ -2992,7 +2992,7 @@
             </a:lvl1pPr>
           </a:lstStyle>
           <a:p>
-            <a:fld id="{E342550B-F740-48D0-BF61-11E34C8B436B}" type="slidenum">
+            <a:fld id="{7B5E7CA7-0E38-4806-888C-FCAEB548EFFA}" type="slidenum">
               <a:rPr lang="zh-CN" altLang="en-US" smtClean="0"/>
               <a:t>‹#›</a:t>
             </a:fld>
@@ -3003,7 +3003,7 @@
     </p:spTree>
     <p:extLst>
       <p:ext uri="{BB962C8B-B14F-4D97-AF65-F5344CB8AC3E}">
-        <p14:creationId xmlns:p14="http://schemas.microsoft.com/office/powerpoint/2010/main" val="3026552143"/>
+        <p14:creationId xmlns:p14="http://schemas.microsoft.com/office/powerpoint/2010/main" val="1449673793"/>
       </p:ext>
     </p:extLst>
   </p:cSld>
@@ -3323,7 +3323,7 @@
       </p:grpSpPr>
       <p:pic>
         <p:nvPicPr>
-          <p:cNvPr id="391170" name="Picture 2" descr="381"/>
+          <p:cNvPr id="392194" name="Picture 2" descr="382"/>
           <p:cNvPicPr>
             <a:picLocks noChangeAspect="1" noChangeArrowheads="1"/>
           </p:cNvPicPr>
